--- a/2025-Q4/Devotionals/2025-01-02-CovenantUnity.pptx
+++ b/2025-Q4/Devotionals/2025-01-02-CovenantUnity.pptx
@@ -284,7 +284,7 @@
               <a:pPr>
                 <a:defRPr/>
               </a:pPr>
-              <a:t>10/31/2025</a:t>
+              <a:t>11/2/2025</a:t>
             </a:fld>
             <a:endParaRPr lang="en-US"/>
           </a:p>
@@ -5532,7 +5532,7 @@
           </a:p>
           <a:p>
             <a:r>
-              <a:rPr lang="en-US" sz="2000">
+              <a:rPr lang="en-US" sz="2000" dirty="0">
                 <a:solidFill>
                   <a:schemeClr val="tx2">
                     <a:lumMod val="60000"/>
@@ -5542,14 +5542,6 @@
               </a:rPr>
               <a:t>https://tinyurl.com/Call2Unity</a:t>
             </a:r>
-            <a:endParaRPr lang="en-US" sz="2000" dirty="0">
-              <a:solidFill>
-                <a:schemeClr val="tx2">
-                  <a:lumMod val="60000"/>
-                  <a:lumOff val="40000"/>
-                </a:schemeClr>
-              </a:solidFill>
-            </a:endParaRPr>
           </a:p>
           <a:p>
             <a:endParaRPr lang="en-US" sz="2400" dirty="0">
